--- a/MSI_tumor_assignment_demo.pptx
+++ b/MSI_tumor_assignment_demo.pptx
@@ -7,8 +7,9 @@
   <p:sldIdLst>
     <p:sldId id="256" r:id="rId2"/>
     <p:sldId id="257" r:id="rId3"/>
-    <p:sldId id="258" r:id="rId4"/>
-    <p:sldId id="259" r:id="rId5"/>
+    <p:sldId id="260" r:id="rId4"/>
+    <p:sldId id="258" r:id="rId5"/>
+    <p:sldId id="259" r:id="rId6"/>
   </p:sldIdLst>
   <p:sldSz cx="12192000" cy="6858000"/>
   <p:notesSz cx="6858000" cy="9144000"/>
@@ -107,7 +108,20 @@
       </a:defRPr>
     </a:lvl9pPr>
   </p:defaultTextStyle>
+  <p:extLst>
+    <p:ext uri="{EFAFB233-063F-42B5-8137-9DF3F51BA10A}">
+      <p15:sldGuideLst xmlns:p15="http://schemas.microsoft.com/office/powerpoint/2012/main"/>
+    </p:ext>
+  </p:extLst>
 </p:presentation>
+</file>
+
+<file path=ppt/revisionInfo.xml><?xml version="1.0" encoding="utf-8"?>
+<p1510:revInfo xmlns:a="http://schemas.openxmlformats.org/drawingml/2006/main" xmlns:r="http://schemas.openxmlformats.org/officeDocument/2006/relationships" xmlns:p1510="http://schemas.microsoft.com/office/powerpoint/2015/10/main">
+  <p1510:revLst>
+    <p1510:client id="{5FDBA922-9E05-42C8-B28E-DC4BEAF29E97}" v="6" dt="2024-09-23T09:19:55.247"/>
+  </p1510:revLst>
+</p1510:revInfo>
 </file>
 
 <file path=ppt/changesInfos/changesInfo1.xml><?xml version="1.0" encoding="utf-8"?>
@@ -115,18 +129,26 @@
   <pc:docChgLst>
     <pc:chgData name="Mo Liu" userId="e9c7212a1ac174da" providerId="LiveId" clId="{5FDBA922-9E05-42C8-B28E-DC4BEAF29E97}"/>
     <pc:docChg chg="custSel addSld modSld">
-      <pc:chgData name="Mo Liu" userId="e9c7212a1ac174da" providerId="LiveId" clId="{5FDBA922-9E05-42C8-B28E-DC4BEAF29E97}" dt="2024-09-21T12:45:45.232" v="62" actId="1076"/>
+      <pc:chgData name="Mo Liu" userId="e9c7212a1ac174da" providerId="LiveId" clId="{5FDBA922-9E05-42C8-B28E-DC4BEAF29E97}" dt="2024-09-23T09:20:21.972" v="516" actId="20577"/>
       <pc:docMkLst>
         <pc:docMk/>
       </pc:docMkLst>
       <pc:sldChg chg="modSp mod">
-        <pc:chgData name="Mo Liu" userId="e9c7212a1ac174da" providerId="LiveId" clId="{5FDBA922-9E05-42C8-B28E-DC4BEAF29E97}" dt="2024-09-21T12:45:45.232" v="62" actId="1076"/>
+        <pc:chgData name="Mo Liu" userId="e9c7212a1ac174da" providerId="LiveId" clId="{5FDBA922-9E05-42C8-B28E-DC4BEAF29E97}" dt="2024-09-23T09:20:21.972" v="516" actId="20577"/>
         <pc:sldMkLst>
           <pc:docMk/>
           <pc:sldMk cId="1694002835" sldId="257"/>
         </pc:sldMkLst>
         <pc:spChg chg="mod">
-          <ac:chgData name="Mo Liu" userId="e9c7212a1ac174da" providerId="LiveId" clId="{5FDBA922-9E05-42C8-B28E-DC4BEAF29E97}" dt="2024-09-21T12:45:43.951" v="61" actId="1076"/>
+          <ac:chgData name="Mo Liu" userId="e9c7212a1ac174da" providerId="LiveId" clId="{5FDBA922-9E05-42C8-B28E-DC4BEAF29E97}" dt="2024-09-23T09:20:21.972" v="516" actId="20577"/>
+          <ac:spMkLst>
+            <pc:docMk/>
+            <pc:sldMk cId="1694002835" sldId="257"/>
+            <ac:spMk id="2" creationId="{8A5909DD-A43F-E25D-94E1-CF87C82CB512}"/>
+          </ac:spMkLst>
+        </pc:spChg>
+        <pc:spChg chg="mod">
+          <ac:chgData name="Mo Liu" userId="e9c7212a1ac174da" providerId="LiveId" clId="{5FDBA922-9E05-42C8-B28E-DC4BEAF29E97}" dt="2024-09-23T09:20:15.460" v="511" actId="20577"/>
           <ac:spMkLst>
             <pc:docMk/>
             <pc:sldMk cId="1694002835" sldId="257"/>
@@ -134,7 +156,7 @@
           </ac:spMkLst>
         </pc:spChg>
         <pc:picChg chg="mod">
-          <ac:chgData name="Mo Liu" userId="e9c7212a1ac174da" providerId="LiveId" clId="{5FDBA922-9E05-42C8-B28E-DC4BEAF29E97}" dt="2024-09-21T12:45:45.232" v="62" actId="1076"/>
+          <ac:chgData name="Mo Liu" userId="e9c7212a1ac174da" providerId="LiveId" clId="{5FDBA922-9E05-42C8-B28E-DC4BEAF29E97}" dt="2024-09-23T09:16:23.460" v="74" actId="1076"/>
           <ac:picMkLst>
             <pc:docMk/>
             <pc:sldMk cId="1694002835" sldId="257"/>
@@ -142,22 +164,30 @@
           </ac:picMkLst>
         </pc:picChg>
       </pc:sldChg>
-      <pc:sldChg chg="modSp mod">
-        <pc:chgData name="Mo Liu" userId="e9c7212a1ac174da" providerId="LiveId" clId="{5FDBA922-9E05-42C8-B28E-DC4BEAF29E97}" dt="2024-09-21T12:45:36.051" v="59" actId="1076"/>
+      <pc:sldChg chg="addSp modSp mod">
+        <pc:chgData name="Mo Liu" userId="e9c7212a1ac174da" providerId="LiveId" clId="{5FDBA922-9E05-42C8-B28E-DC4BEAF29E97}" dt="2024-09-23T09:19:29.924" v="372" actId="20577"/>
         <pc:sldMkLst>
           <pc:docMk/>
           <pc:sldMk cId="2128498860" sldId="258"/>
         </pc:sldMkLst>
         <pc:spChg chg="mod">
-          <ac:chgData name="Mo Liu" userId="e9c7212a1ac174da" providerId="LiveId" clId="{5FDBA922-9E05-42C8-B28E-DC4BEAF29E97}" dt="2024-09-21T12:45:33.670" v="57" actId="1076"/>
+          <ac:chgData name="Mo Liu" userId="e9c7212a1ac174da" providerId="LiveId" clId="{5FDBA922-9E05-42C8-B28E-DC4BEAF29E97}" dt="2024-09-23T09:18:26.016" v="206" actId="20577"/>
           <ac:spMkLst>
             <pc:docMk/>
             <pc:sldMk cId="2128498860" sldId="258"/>
             <ac:spMk id="2" creationId="{9A330131-FDAB-3B46-20C9-C4DC46B48690}"/>
           </ac:spMkLst>
         </pc:spChg>
+        <pc:spChg chg="add mod">
+          <ac:chgData name="Mo Liu" userId="e9c7212a1ac174da" providerId="LiveId" clId="{5FDBA922-9E05-42C8-B28E-DC4BEAF29E97}" dt="2024-09-23T09:19:29.924" v="372" actId="20577"/>
+          <ac:spMkLst>
+            <pc:docMk/>
+            <pc:sldMk cId="2128498860" sldId="258"/>
+            <ac:spMk id="3" creationId="{EF1E0A0E-5BD4-D750-9674-4BFCC269A4CF}"/>
+          </ac:spMkLst>
+        </pc:spChg>
         <pc:picChg chg="mod">
-          <ac:chgData name="Mo Liu" userId="e9c7212a1ac174da" providerId="LiveId" clId="{5FDBA922-9E05-42C8-B28E-DC4BEAF29E97}" dt="2024-09-21T12:45:34.445" v="58" actId="1076"/>
+          <ac:chgData name="Mo Liu" userId="e9c7212a1ac174da" providerId="LiveId" clId="{5FDBA922-9E05-42C8-B28E-DC4BEAF29E97}" dt="2024-09-23T09:18:16.298" v="205" actId="1076"/>
           <ac:picMkLst>
             <pc:docMk/>
             <pc:sldMk cId="2128498860" sldId="258"/>
@@ -174,13 +204,13 @@
         </pc:picChg>
       </pc:sldChg>
       <pc:sldChg chg="addSp delSp modSp new mod">
-        <pc:chgData name="Mo Liu" userId="e9c7212a1ac174da" providerId="LiveId" clId="{5FDBA922-9E05-42C8-B28E-DC4BEAF29E97}" dt="2024-09-21T08:51:12.008" v="53" actId="20577"/>
+        <pc:chgData name="Mo Liu" userId="e9c7212a1ac174da" providerId="LiveId" clId="{5FDBA922-9E05-42C8-B28E-DC4BEAF29E97}" dt="2024-09-23T09:17:50.540" v="199" actId="20577"/>
         <pc:sldMkLst>
           <pc:docMk/>
           <pc:sldMk cId="2389902311" sldId="259"/>
         </pc:sldMkLst>
         <pc:spChg chg="mod">
-          <ac:chgData name="Mo Liu" userId="e9c7212a1ac174da" providerId="LiveId" clId="{5FDBA922-9E05-42C8-B28E-DC4BEAF29E97}" dt="2024-09-21T08:51:12.008" v="53" actId="20577"/>
+          <ac:chgData name="Mo Liu" userId="e9c7212a1ac174da" providerId="LiveId" clId="{5FDBA922-9E05-42C8-B28E-DC4BEAF29E97}" dt="2024-09-23T09:17:50.540" v="199" actId="20577"/>
           <ac:spMkLst>
             <pc:docMk/>
             <pc:sldMk cId="2389902311" sldId="259"/>
@@ -201,6 +231,61 @@
             <pc:docMk/>
             <pc:sldMk cId="2389902311" sldId="259"/>
             <ac:picMk id="5" creationId="{5DC5DAC1-6D72-AB35-0777-FFCBD859DAB4}"/>
+          </ac:picMkLst>
+        </pc:picChg>
+      </pc:sldChg>
+      <pc:sldChg chg="addSp delSp modSp new mod">
+        <pc:chgData name="Mo Liu" userId="e9c7212a1ac174da" providerId="LiveId" clId="{5FDBA922-9E05-42C8-B28E-DC4BEAF29E97}" dt="2024-09-23T09:18:08.172" v="204" actId="1076"/>
+        <pc:sldMkLst>
+          <pc:docMk/>
+          <pc:sldMk cId="322953623" sldId="260"/>
+        </pc:sldMkLst>
+        <pc:spChg chg="mod">
+          <ac:chgData name="Mo Liu" userId="e9c7212a1ac174da" providerId="LiveId" clId="{5FDBA922-9E05-42C8-B28E-DC4BEAF29E97}" dt="2024-09-23T09:16:53.644" v="132" actId="20577"/>
+          <ac:spMkLst>
+            <pc:docMk/>
+            <pc:sldMk cId="322953623" sldId="260"/>
+            <ac:spMk id="2" creationId="{A6A9F531-07B3-F267-846D-173573EAE007}"/>
+          </ac:spMkLst>
+        </pc:spChg>
+        <pc:spChg chg="del">
+          <ac:chgData name="Mo Liu" userId="e9c7212a1ac174da" providerId="LiveId" clId="{5FDBA922-9E05-42C8-B28E-DC4BEAF29E97}" dt="2024-09-23T09:16:56.364" v="133" actId="478"/>
+          <ac:spMkLst>
+            <pc:docMk/>
+            <pc:sldMk cId="322953623" sldId="260"/>
+            <ac:spMk id="3" creationId="{F557EE1A-4F7B-85CC-2E91-17B45170A4D1}"/>
+          </ac:spMkLst>
+        </pc:spChg>
+        <pc:spChg chg="add mod">
+          <ac:chgData name="Mo Liu" userId="e9c7212a1ac174da" providerId="LiveId" clId="{5FDBA922-9E05-42C8-B28E-DC4BEAF29E97}" dt="2024-09-23T09:18:04.559" v="202" actId="207"/>
+          <ac:spMkLst>
+            <pc:docMk/>
+            <pc:sldMk cId="322953623" sldId="260"/>
+            <ac:spMk id="6" creationId="{6E4310FC-0982-6644-B099-3964665BE9DE}"/>
+          </ac:spMkLst>
+        </pc:spChg>
+        <pc:spChg chg="add mod">
+          <ac:chgData name="Mo Liu" userId="e9c7212a1ac174da" providerId="LiveId" clId="{5FDBA922-9E05-42C8-B28E-DC4BEAF29E97}" dt="2024-09-23T09:18:08.172" v="204" actId="1076"/>
+          <ac:spMkLst>
+            <pc:docMk/>
+            <pc:sldMk cId="322953623" sldId="260"/>
+            <ac:spMk id="7" creationId="{9DCA5CC1-71BB-6C35-A551-F10FDDA7934F}"/>
+          </ac:spMkLst>
+        </pc:spChg>
+        <pc:picChg chg="add mod modCrop">
+          <ac:chgData name="Mo Liu" userId="e9c7212a1ac174da" providerId="LiveId" clId="{5FDBA922-9E05-42C8-B28E-DC4BEAF29E97}" dt="2024-09-23T09:17:09.313" v="138" actId="1076"/>
+          <ac:picMkLst>
+            <pc:docMk/>
+            <pc:sldMk cId="322953623" sldId="260"/>
+            <ac:picMk id="4" creationId="{2911E299-634C-E685-15C9-BEF99B35DC25}"/>
+          </ac:picMkLst>
+        </pc:picChg>
+        <pc:picChg chg="add mod modCrop">
+          <ac:chgData name="Mo Liu" userId="e9c7212a1ac174da" providerId="LiveId" clId="{5FDBA922-9E05-42C8-B28E-DC4BEAF29E97}" dt="2024-09-23T09:17:25.220" v="143" actId="1076"/>
+          <ac:picMkLst>
+            <pc:docMk/>
+            <pc:sldMk cId="322953623" sldId="260"/>
+            <ac:picMk id="5" creationId="{5869D713-A37D-B62B-6775-DB32BA1DB036}"/>
           </ac:picMkLst>
         </pc:picChg>
       </pc:sldChg>
@@ -358,7 +443,7 @@
           <a:p>
             <a:fld id="{E0C2E75B-A520-4543-B491-EBEB2C00BD6A}" type="datetimeFigureOut">
               <a:rPr lang="zh-CN" altLang="en-US" smtClean="0"/>
-              <a:t>2024/9/19</a:t>
+              <a:t>2024/9/23</a:t>
             </a:fld>
             <a:endParaRPr lang="zh-CN" altLang="en-US"/>
           </a:p>
@@ -558,7 +643,7 @@
           <a:p>
             <a:fld id="{E0C2E75B-A520-4543-B491-EBEB2C00BD6A}" type="datetimeFigureOut">
               <a:rPr lang="zh-CN" altLang="en-US" smtClean="0"/>
-              <a:t>2024/9/19</a:t>
+              <a:t>2024/9/23</a:t>
             </a:fld>
             <a:endParaRPr lang="zh-CN" altLang="en-US"/>
           </a:p>
@@ -768,7 +853,7 @@
           <a:p>
             <a:fld id="{E0C2E75B-A520-4543-B491-EBEB2C00BD6A}" type="datetimeFigureOut">
               <a:rPr lang="zh-CN" altLang="en-US" smtClean="0"/>
-              <a:t>2024/9/19</a:t>
+              <a:t>2024/9/23</a:t>
             </a:fld>
             <a:endParaRPr lang="zh-CN" altLang="en-US"/>
           </a:p>
@@ -968,7 +1053,7 @@
           <a:p>
             <a:fld id="{E0C2E75B-A520-4543-B491-EBEB2C00BD6A}" type="datetimeFigureOut">
               <a:rPr lang="zh-CN" altLang="en-US" smtClean="0"/>
-              <a:t>2024/9/19</a:t>
+              <a:t>2024/9/23</a:t>
             </a:fld>
             <a:endParaRPr lang="zh-CN" altLang="en-US"/>
           </a:p>
@@ -1244,7 +1329,7 @@
           <a:p>
             <a:fld id="{E0C2E75B-A520-4543-B491-EBEB2C00BD6A}" type="datetimeFigureOut">
               <a:rPr lang="zh-CN" altLang="en-US" smtClean="0"/>
-              <a:t>2024/9/19</a:t>
+              <a:t>2024/9/23</a:t>
             </a:fld>
             <a:endParaRPr lang="zh-CN" altLang="en-US"/>
           </a:p>
@@ -1512,7 +1597,7 @@
           <a:p>
             <a:fld id="{E0C2E75B-A520-4543-B491-EBEB2C00BD6A}" type="datetimeFigureOut">
               <a:rPr lang="zh-CN" altLang="en-US" smtClean="0"/>
-              <a:t>2024/9/19</a:t>
+              <a:t>2024/9/23</a:t>
             </a:fld>
             <a:endParaRPr lang="zh-CN" altLang="en-US"/>
           </a:p>
@@ -1927,7 +2012,7 @@
           <a:p>
             <a:fld id="{E0C2E75B-A520-4543-B491-EBEB2C00BD6A}" type="datetimeFigureOut">
               <a:rPr lang="zh-CN" altLang="en-US" smtClean="0"/>
-              <a:t>2024/9/19</a:t>
+              <a:t>2024/9/23</a:t>
             </a:fld>
             <a:endParaRPr lang="zh-CN" altLang="en-US"/>
           </a:p>
@@ -2069,7 +2154,7 @@
           <a:p>
             <a:fld id="{E0C2E75B-A520-4543-B491-EBEB2C00BD6A}" type="datetimeFigureOut">
               <a:rPr lang="zh-CN" altLang="en-US" smtClean="0"/>
-              <a:t>2024/9/19</a:t>
+              <a:t>2024/9/23</a:t>
             </a:fld>
             <a:endParaRPr lang="zh-CN" altLang="en-US"/>
           </a:p>
@@ -2182,7 +2267,7 @@
           <a:p>
             <a:fld id="{E0C2E75B-A520-4543-B491-EBEB2C00BD6A}" type="datetimeFigureOut">
               <a:rPr lang="zh-CN" altLang="en-US" smtClean="0"/>
-              <a:t>2024/9/19</a:t>
+              <a:t>2024/9/23</a:t>
             </a:fld>
             <a:endParaRPr lang="zh-CN" altLang="en-US"/>
           </a:p>
@@ -2495,7 +2580,7 @@
           <a:p>
             <a:fld id="{E0C2E75B-A520-4543-B491-EBEB2C00BD6A}" type="datetimeFigureOut">
               <a:rPr lang="zh-CN" altLang="en-US" smtClean="0"/>
-              <a:t>2024/9/19</a:t>
+              <a:t>2024/9/23</a:t>
             </a:fld>
             <a:endParaRPr lang="zh-CN" altLang="en-US"/>
           </a:p>
@@ -2784,7 +2869,7 @@
           <a:p>
             <a:fld id="{E0C2E75B-A520-4543-B491-EBEB2C00BD6A}" type="datetimeFigureOut">
               <a:rPr lang="zh-CN" altLang="en-US" smtClean="0"/>
-              <a:t>2024/9/19</a:t>
+              <a:t>2024/9/23</a:t>
             </a:fld>
             <a:endParaRPr lang="zh-CN" altLang="en-US"/>
           </a:p>
@@ -3027,7 +3112,7 @@
           <a:p>
             <a:fld id="{E0C2E75B-A520-4543-B491-EBEB2C00BD6A}" type="datetimeFigureOut">
               <a:rPr lang="zh-CN" altLang="en-US" smtClean="0"/>
-              <a:t>2024/9/19</a:t>
+              <a:t>2024/9/23</a:t>
             </a:fld>
             <a:endParaRPr lang="zh-CN" altLang="en-US"/>
           </a:p>
@@ -3540,50 +3625,74 @@
             <p:ph type="title"/>
           </p:nvPr>
         </p:nvSpPr>
-        <p:spPr/>
-        <p:txBody>
-          <a:bodyPr>
-            <a:normAutofit fontScale="90000"/>
-          </a:bodyPr>
-          <a:lstStyle/>
-          <a:p>
-            <a:r>
-              <a:rPr lang="en-US" altLang="zh-CN" dirty="0"/>
-              <a:t>New assignment method to investigate MSI tumors- to find the signal hidden behind DEL:C:1:0 and DEL:T:1:0</a:t>
-            </a:r>
-            <a:endParaRPr lang="zh-CN" altLang="en-US" dirty="0"/>
-          </a:p>
-        </p:txBody>
-      </p:sp>
-      <p:sp>
-        <p:nvSpPr>
-          <p:cNvPr id="3" name="Content Placeholder 2">
-            <a:extLst>
-              <a:ext uri="{FF2B5EF4-FFF2-40B4-BE49-F238E27FC236}">
-                <a16:creationId xmlns:a16="http://schemas.microsoft.com/office/drawing/2014/main" id="{67E32F1E-9C51-AF80-3EBE-DC44BB1EEF79}"/>
-              </a:ext>
-            </a:extLst>
-          </p:cNvPr>
-          <p:cNvSpPr>
-            <a:spLocks noGrp="1"/>
-          </p:cNvSpPr>
-          <p:nvPr>
-            <p:ph idx="1"/>
-          </p:nvPr>
-        </p:nvSpPr>
         <p:spPr>
           <a:xfrm>
-            <a:off x="623047" y="2094566"/>
+            <a:off x="838200" y="365126"/>
+            <a:ext cx="9491133" cy="811742"/>
+          </a:xfrm>
+        </p:spPr>
+        <p:txBody>
+          <a:bodyPr>
+            <a:noAutofit/>
+          </a:bodyPr>
+          <a:lstStyle/>
+          <a:p>
+            <a:r>
+              <a:rPr lang="en-US" altLang="zh-CN" sz="2800" dirty="0"/>
+              <a:t>New assignment method to investigate MSI tumors- to find the signal hidden behind INS:T:1:5+ and DEL:T:1:5+</a:t>
+            </a:r>
+            <a:endParaRPr lang="zh-CN" altLang="en-US" sz="2800" dirty="0"/>
+          </a:p>
+        </p:txBody>
+      </p:sp>
+      <p:sp>
+        <p:nvSpPr>
+          <p:cNvPr id="3" name="Content Placeholder 2">
+            <a:extLst>
+              <a:ext uri="{FF2B5EF4-FFF2-40B4-BE49-F238E27FC236}">
+                <a16:creationId xmlns:a16="http://schemas.microsoft.com/office/drawing/2014/main" id="{67E32F1E-9C51-AF80-3EBE-DC44BB1EEF79}"/>
+              </a:ext>
+            </a:extLst>
+          </p:cNvPr>
+          <p:cNvSpPr>
+            <a:spLocks noGrp="1"/>
+          </p:cNvSpPr>
+          <p:nvPr>
+            <p:ph idx="1"/>
+          </p:nvPr>
+        </p:nvSpPr>
+        <p:spPr>
+          <a:xfrm>
+            <a:off x="639980" y="1459566"/>
             <a:ext cx="5058035" cy="2551393"/>
           </a:xfrm>
         </p:spPr>
         <p:txBody>
-          <a:bodyPr/>
+          <a:bodyPr>
+            <a:normAutofit fontScale="85000" lnSpcReduction="10000"/>
+          </a:bodyPr>
           <a:lstStyle/>
           <a:p>
             <a:r>
               <a:rPr lang="en-US" altLang="zh-CN" dirty="0"/>
-              <a:t>Only two signatures were assigned to this tumor when doing assignment with presence test</a:t>
+              <a:t>Only two signatures were assigned to this tumor when doing assignment with presence test.</a:t>
+            </a:r>
+          </a:p>
+          <a:p>
+            <a:endParaRPr lang="en-US" altLang="zh-CN" dirty="0"/>
+          </a:p>
+          <a:p>
+            <a:r>
+              <a:rPr lang="en-US" altLang="zh-CN" dirty="0"/>
+              <a:t>Cosine similarity is misleading in MSI</a:t>
+            </a:r>
+            <a:r>
+              <a:rPr lang="zh-CN" altLang="en-US" dirty="0"/>
+              <a:t> </a:t>
+            </a:r>
+            <a:r>
+              <a:rPr lang="en-US" altLang="zh-CN" dirty="0"/>
+              <a:t>tumors because the INS:T:1:5+ and DEL:T:1:5+ drives the similarity</a:t>
             </a:r>
             <a:endParaRPr lang="zh-CN" altLang="en-US" dirty="0"/>
           </a:p>
@@ -3611,7 +3720,7 @@
         </p:blipFill>
         <p:spPr>
           <a:xfrm>
-            <a:off x="6096000" y="1778094"/>
+            <a:off x="5769088" y="1176868"/>
             <a:ext cx="5584712" cy="4994318"/>
           </a:xfrm>
           <a:prstGeom prst="rect">
@@ -3654,7 +3763,7 @@
           <p:cNvPr id="2" name="Title 1">
             <a:extLst>
               <a:ext uri="{FF2B5EF4-FFF2-40B4-BE49-F238E27FC236}">
-                <a16:creationId xmlns:a16="http://schemas.microsoft.com/office/drawing/2014/main" id="{9A330131-FDAB-3B46-20C9-C4DC46B48690}"/>
+                <a16:creationId xmlns:a16="http://schemas.microsoft.com/office/drawing/2014/main" id="{A6A9F531-07B3-F267-846D-173573EAE007}"/>
               </a:ext>
             </a:extLst>
           </p:cNvPr>
@@ -3665,32 +3774,25 @@
             <p:ph type="title"/>
           </p:nvPr>
         </p:nvSpPr>
-        <p:spPr>
-          <a:xfrm>
-            <a:off x="623046" y="69289"/>
-            <a:ext cx="10515600" cy="1325563"/>
-          </a:xfrm>
-        </p:spPr>
-        <p:txBody>
-          <a:bodyPr>
-            <a:noAutofit/>
-          </a:bodyPr>
-          <a:lstStyle/>
-          <a:p>
-            <a:r>
-              <a:rPr lang="en-US" altLang="zh-CN" sz="3600" dirty="0"/>
-              <a:t>More signatures were assigned to this tumor when looking at the other channels more closely</a:t>
-            </a:r>
-            <a:endParaRPr lang="zh-CN" altLang="en-US" sz="3600" dirty="0"/>
+        <p:spPr/>
+        <p:txBody>
+          <a:bodyPr/>
+          <a:lstStyle/>
+          <a:p>
+            <a:r>
+              <a:rPr lang="en-US" altLang="zh-CN" dirty="0"/>
+              <a:t>Firstly, I took out INS:T:1:5+ and DEL:T:1:5+</a:t>
+            </a:r>
+            <a:endParaRPr lang="zh-CN" altLang="en-US" dirty="0"/>
           </a:p>
         </p:txBody>
       </p:sp>
       <p:pic>
         <p:nvPicPr>
-          <p:cNvPr id="5" name="Picture 4">
-            <a:extLst>
-              <a:ext uri="{FF2B5EF4-FFF2-40B4-BE49-F238E27FC236}">
-                <a16:creationId xmlns:a16="http://schemas.microsoft.com/office/drawing/2014/main" id="{5D94FEFD-A89D-65A6-DBB9-8ABB9198861D}"/>
+          <p:cNvPr id="4" name="Picture 3">
+            <a:extLst>
+              <a:ext uri="{FF2B5EF4-FFF2-40B4-BE49-F238E27FC236}">
+                <a16:creationId xmlns:a16="http://schemas.microsoft.com/office/drawing/2014/main" id="{2911E299-634C-E685-15C9-BEF99B35DC25}"/>
               </a:ext>
             </a:extLst>
           </p:cNvPr>
@@ -3701,14 +3803,13 @@
         </p:nvPicPr>
         <p:blipFill>
           <a:blip r:embed="rId2"/>
-          <a:stretch>
-            <a:fillRect/>
-          </a:stretch>
+          <a:srcRect b="81352"/>
+          <a:stretch/>
         </p:blipFill>
         <p:spPr>
           <a:xfrm>
-            <a:off x="1046908" y="1503067"/>
-            <a:ext cx="4668092" cy="5065822"/>
+            <a:off x="838200" y="1690688"/>
+            <a:ext cx="8443713" cy="1408112"/>
           </a:xfrm>
           <a:prstGeom prst="rect">
             <a:avLst/>
@@ -3717,10 +3818,10 @@
       </p:pic>
       <p:pic>
         <p:nvPicPr>
-          <p:cNvPr id="7" name="Picture 6">
-            <a:extLst>
-              <a:ext uri="{FF2B5EF4-FFF2-40B4-BE49-F238E27FC236}">
-                <a16:creationId xmlns:a16="http://schemas.microsoft.com/office/drawing/2014/main" id="{05DE029E-1F31-5E69-766A-B3C510D50028}"/>
+          <p:cNvPr id="5" name="Picture 4">
+            <a:extLst>
+              <a:ext uri="{FF2B5EF4-FFF2-40B4-BE49-F238E27FC236}">
+                <a16:creationId xmlns:a16="http://schemas.microsoft.com/office/drawing/2014/main" id="{5869D713-A37D-B62B-6775-DB32BA1DB036}"/>
               </a:ext>
             </a:extLst>
           </p:cNvPr>
@@ -3731,24 +3832,113 @@
         </p:nvPicPr>
         <p:blipFill>
           <a:blip r:embed="rId3"/>
-          <a:stretch>
-            <a:fillRect/>
-          </a:stretch>
+          <a:srcRect b="82539"/>
+          <a:stretch/>
         </p:blipFill>
         <p:spPr>
           <a:xfrm>
-            <a:off x="5977495" y="1441918"/>
-            <a:ext cx="4668093" cy="1675549"/>
+            <a:off x="838200" y="3641196"/>
+            <a:ext cx="8266268" cy="1566333"/>
           </a:xfrm>
           <a:prstGeom prst="rect">
             <a:avLst/>
           </a:prstGeom>
         </p:spPr>
       </p:pic>
+      <p:sp>
+        <p:nvSpPr>
+          <p:cNvPr id="6" name="Rectangle 5">
+            <a:extLst>
+              <a:ext uri="{FF2B5EF4-FFF2-40B4-BE49-F238E27FC236}">
+                <a16:creationId xmlns:a16="http://schemas.microsoft.com/office/drawing/2014/main" id="{6E4310FC-0982-6644-B099-3964665BE9DE}"/>
+              </a:ext>
+            </a:extLst>
+          </p:cNvPr>
+          <p:cNvSpPr/>
+          <p:nvPr/>
+        </p:nvSpPr>
+        <p:spPr>
+          <a:xfrm>
+            <a:off x="2364059" y="2051824"/>
+            <a:ext cx="133814" cy="2988527"/>
+          </a:xfrm>
+          <a:prstGeom prst="rect">
+            <a:avLst/>
+          </a:prstGeom>
+          <a:noFill/>
+        </p:spPr>
+        <p:style>
+          <a:lnRef idx="2">
+            <a:schemeClr val="accent4"/>
+          </a:lnRef>
+          <a:fillRef idx="1">
+            <a:schemeClr val="lt1"/>
+          </a:fillRef>
+          <a:effectRef idx="0">
+            <a:schemeClr val="accent4"/>
+          </a:effectRef>
+          <a:fontRef idx="minor">
+            <a:schemeClr val="dk1"/>
+          </a:fontRef>
+        </p:style>
+        <p:txBody>
+          <a:bodyPr rtlCol="0" anchor="ctr"/>
+          <a:lstStyle/>
+          <a:p>
+            <a:pPr algn="ctr"/>
+            <a:endParaRPr lang="zh-CN" altLang="en-US"/>
+          </a:p>
+        </p:txBody>
+      </p:sp>
+      <p:sp>
+        <p:nvSpPr>
+          <p:cNvPr id="7" name="Rectangle 6">
+            <a:extLst>
+              <a:ext uri="{FF2B5EF4-FFF2-40B4-BE49-F238E27FC236}">
+                <a16:creationId xmlns:a16="http://schemas.microsoft.com/office/drawing/2014/main" id="{9DCA5CC1-71BB-6C35-A551-F10FDDA7934F}"/>
+              </a:ext>
+            </a:extLst>
+          </p:cNvPr>
+          <p:cNvSpPr/>
+          <p:nvPr/>
+        </p:nvSpPr>
+        <p:spPr>
+          <a:xfrm>
+            <a:off x="3466909" y="2089999"/>
+            <a:ext cx="133814" cy="2988527"/>
+          </a:xfrm>
+          <a:prstGeom prst="rect">
+            <a:avLst/>
+          </a:prstGeom>
+          <a:noFill/>
+        </p:spPr>
+        <p:style>
+          <a:lnRef idx="2">
+            <a:schemeClr val="accent4"/>
+          </a:lnRef>
+          <a:fillRef idx="1">
+            <a:schemeClr val="lt1"/>
+          </a:fillRef>
+          <a:effectRef idx="0">
+            <a:schemeClr val="accent4"/>
+          </a:effectRef>
+          <a:fontRef idx="minor">
+            <a:schemeClr val="dk1"/>
+          </a:fontRef>
+        </p:style>
+        <p:txBody>
+          <a:bodyPr rtlCol="0" anchor="ctr"/>
+          <a:lstStyle/>
+          <a:p>
+            <a:pPr algn="ctr"/>
+            <a:endParaRPr lang="zh-CN" altLang="en-US"/>
+          </a:p>
+        </p:txBody>
+      </p:sp>
     </p:spTree>
     <p:extLst>
       <p:ext uri="{BB962C8B-B14F-4D97-AF65-F5344CB8AC3E}">
-        <p14:creationId xmlns:p14="http://schemas.microsoft.com/office/powerpoint/2010/main" val="2128498860"/>
+        <p14:creationId xmlns:p14="http://schemas.microsoft.com/office/powerpoint/2010/main" val="322953623"/>
       </p:ext>
     </p:extLst>
   </p:cSld>
@@ -3780,6 +3970,168 @@
           <p:cNvPr id="2" name="Title 1">
             <a:extLst>
               <a:ext uri="{FF2B5EF4-FFF2-40B4-BE49-F238E27FC236}">
+                <a16:creationId xmlns:a16="http://schemas.microsoft.com/office/drawing/2014/main" id="{9A330131-FDAB-3B46-20C9-C4DC46B48690}"/>
+              </a:ext>
+            </a:extLst>
+          </p:cNvPr>
+          <p:cNvSpPr>
+            <a:spLocks noGrp="1"/>
+          </p:cNvSpPr>
+          <p:nvPr>
+            <p:ph type="title"/>
+          </p:nvPr>
+        </p:nvSpPr>
+        <p:spPr>
+          <a:xfrm>
+            <a:off x="623046" y="69289"/>
+            <a:ext cx="10515600" cy="1325563"/>
+          </a:xfrm>
+        </p:spPr>
+        <p:txBody>
+          <a:bodyPr>
+            <a:noAutofit/>
+          </a:bodyPr>
+          <a:lstStyle/>
+          <a:p>
+            <a:r>
+              <a:rPr lang="en-US" altLang="zh-CN" sz="3600" dirty="0"/>
+              <a:t>5 signatures were assigned to this tumor when looking at the other channels more closely</a:t>
+            </a:r>
+            <a:endParaRPr lang="zh-CN" altLang="en-US" sz="3600" dirty="0"/>
+          </a:p>
+        </p:txBody>
+      </p:sp>
+      <p:pic>
+        <p:nvPicPr>
+          <p:cNvPr id="5" name="Picture 4">
+            <a:extLst>
+              <a:ext uri="{FF2B5EF4-FFF2-40B4-BE49-F238E27FC236}">
+                <a16:creationId xmlns:a16="http://schemas.microsoft.com/office/drawing/2014/main" id="{5D94FEFD-A89D-65A6-DBB9-8ABB9198861D}"/>
+              </a:ext>
+            </a:extLst>
+          </p:cNvPr>
+          <p:cNvPicPr>
+            <a:picLocks noChangeAspect="1"/>
+          </p:cNvPicPr>
+          <p:nvPr/>
+        </p:nvPicPr>
+        <p:blipFill>
+          <a:blip r:embed="rId2"/>
+          <a:stretch>
+            <a:fillRect/>
+          </a:stretch>
+        </p:blipFill>
+        <p:spPr>
+          <a:xfrm>
+            <a:off x="883622" y="1535724"/>
+            <a:ext cx="4668092" cy="5065822"/>
+          </a:xfrm>
+          <a:prstGeom prst="rect">
+            <a:avLst/>
+          </a:prstGeom>
+        </p:spPr>
+      </p:pic>
+      <p:pic>
+        <p:nvPicPr>
+          <p:cNvPr id="7" name="Picture 6">
+            <a:extLst>
+              <a:ext uri="{FF2B5EF4-FFF2-40B4-BE49-F238E27FC236}">
+                <a16:creationId xmlns:a16="http://schemas.microsoft.com/office/drawing/2014/main" id="{05DE029E-1F31-5E69-766A-B3C510D50028}"/>
+              </a:ext>
+            </a:extLst>
+          </p:cNvPr>
+          <p:cNvPicPr>
+            <a:picLocks noChangeAspect="1"/>
+          </p:cNvPicPr>
+          <p:nvPr/>
+        </p:nvPicPr>
+        <p:blipFill>
+          <a:blip r:embed="rId3"/>
+          <a:stretch>
+            <a:fillRect/>
+          </a:stretch>
+        </p:blipFill>
+        <p:spPr>
+          <a:xfrm>
+            <a:off x="5977495" y="1441918"/>
+            <a:ext cx="4668093" cy="1675549"/>
+          </a:xfrm>
+          <a:prstGeom prst="rect">
+            <a:avLst/>
+          </a:prstGeom>
+        </p:spPr>
+      </p:pic>
+      <p:sp>
+        <p:nvSpPr>
+          <p:cNvPr id="3" name="TextBox 2">
+            <a:extLst>
+              <a:ext uri="{FF2B5EF4-FFF2-40B4-BE49-F238E27FC236}">
+                <a16:creationId xmlns:a16="http://schemas.microsoft.com/office/drawing/2014/main" id="{EF1E0A0E-5BD4-D750-9674-4BFCC269A4CF}"/>
+              </a:ext>
+            </a:extLst>
+          </p:cNvPr>
+          <p:cNvSpPr txBox="1"/>
+          <p:nvPr/>
+        </p:nvSpPr>
+        <p:spPr>
+          <a:xfrm>
+            <a:off x="6389914" y="3740534"/>
+            <a:ext cx="4493676" cy="1200329"/>
+          </a:xfrm>
+          <a:prstGeom prst="rect">
+            <a:avLst/>
+          </a:prstGeom>
+          <a:noFill/>
+        </p:spPr>
+        <p:txBody>
+          <a:bodyPr wrap="square" rtlCol="0">
+            <a:spAutoFit/>
+          </a:bodyPr>
+          <a:lstStyle/>
+          <a:p>
+            <a:r>
+              <a:rPr lang="en-US" altLang="zh-CN" dirty="0"/>
+              <a:t>After this step, I used ID1 and ID2 to reconstruct the INS:T:1:5+ and DEL:T:1:5+ part which was removed previously. This results in the assignment of 7 signatures</a:t>
+            </a:r>
+            <a:endParaRPr lang="zh-CN" altLang="en-US" dirty="0"/>
+          </a:p>
+        </p:txBody>
+      </p:sp>
+    </p:spTree>
+    <p:extLst>
+      <p:ext uri="{BB962C8B-B14F-4D97-AF65-F5344CB8AC3E}">
+        <p14:creationId xmlns:p14="http://schemas.microsoft.com/office/powerpoint/2010/main" val="2128498860"/>
+      </p:ext>
+    </p:extLst>
+  </p:cSld>
+  <p:clrMapOvr>
+    <a:masterClrMapping/>
+  </p:clrMapOvr>
+</p:sld>
+</file>
+
+<file path=ppt/slides/slide5.xml><?xml version="1.0" encoding="utf-8"?>
+<p:sld xmlns:a="http://schemas.openxmlformats.org/drawingml/2006/main" xmlns:r="http://schemas.openxmlformats.org/officeDocument/2006/relationships" xmlns:p="http://schemas.openxmlformats.org/presentationml/2006/main">
+  <p:cSld>
+    <p:spTree>
+      <p:nvGrpSpPr>
+        <p:cNvPr id="1" name=""/>
+        <p:cNvGrpSpPr/>
+        <p:nvPr/>
+      </p:nvGrpSpPr>
+      <p:grpSpPr>
+        <a:xfrm>
+          <a:off x="0" y="0"/>
+          <a:ext cx="0" cy="0"/>
+          <a:chOff x="0" y="0"/>
+          <a:chExt cx="0" cy="0"/>
+        </a:xfrm>
+      </p:grpSpPr>
+      <p:sp>
+        <p:nvSpPr>
+          <p:cNvPr id="2" name="Title 1">
+            <a:extLst>
+              <a:ext uri="{FF2B5EF4-FFF2-40B4-BE49-F238E27FC236}">
                 <a16:creationId xmlns:a16="http://schemas.microsoft.com/office/drawing/2014/main" id="{11471EFB-9C6E-7D5C-9BF8-874C03C4566B}"/>
               </a:ext>
             </a:extLst>
@@ -3793,12 +4145,22 @@
         </p:nvSpPr>
         <p:spPr/>
         <p:txBody>
-          <a:bodyPr/>
+          <a:bodyPr>
+            <a:normAutofit fontScale="90000"/>
+          </a:bodyPr>
           <a:lstStyle/>
           <a:p>
             <a:r>
               <a:rPr lang="en-US" altLang="zh-CN" dirty="0"/>
-              <a:t>We need a figure for RNASEH2B HEK293T story</a:t>
+              <a:t>We need a figure for RNASEH2B HEK293T story. This is an example from </a:t>
+            </a:r>
+            <a:r>
+              <a:rPr lang="en-US" altLang="zh-CN" dirty="0" err="1"/>
+              <a:t>Reijn’s</a:t>
+            </a:r>
+            <a:r>
+              <a:rPr lang="en-US" altLang="zh-CN" dirty="0"/>
+              <a:t> et al., 2022</a:t>
             </a:r>
             <a:endParaRPr lang="zh-CN" altLang="en-US" dirty="0"/>
           </a:p>

--- a/MSI_tumor_assignment_demo.pptx
+++ b/MSI_tumor_assignment_demo.pptx
@@ -129,12 +129,12 @@
   <pc:docChgLst>
     <pc:chgData name="Mo Liu" userId="e9c7212a1ac174da" providerId="LiveId" clId="{5FDBA922-9E05-42C8-B28E-DC4BEAF29E97}"/>
     <pc:docChg chg="custSel addSld modSld">
-      <pc:chgData name="Mo Liu" userId="e9c7212a1ac174da" providerId="LiveId" clId="{5FDBA922-9E05-42C8-B28E-DC4BEAF29E97}" dt="2024-09-23T09:20:21.972" v="516" actId="20577"/>
+      <pc:chgData name="Mo Liu" userId="e9c7212a1ac174da" providerId="LiveId" clId="{5FDBA922-9E05-42C8-B28E-DC4BEAF29E97}" dt="2024-09-27T00:25:14.098" v="519" actId="1076"/>
       <pc:docMkLst>
         <pc:docMk/>
       </pc:docMkLst>
       <pc:sldChg chg="modSp mod">
-        <pc:chgData name="Mo Liu" userId="e9c7212a1ac174da" providerId="LiveId" clId="{5FDBA922-9E05-42C8-B28E-DC4BEAF29E97}" dt="2024-09-23T09:20:21.972" v="516" actId="20577"/>
+        <pc:chgData name="Mo Liu" userId="e9c7212a1ac174da" providerId="LiveId" clId="{5FDBA922-9E05-42C8-B28E-DC4BEAF29E97}" dt="2024-09-27T00:25:14.098" v="519" actId="1076"/>
         <pc:sldMkLst>
           <pc:docMk/>
           <pc:sldMk cId="1694002835" sldId="257"/>
@@ -156,7 +156,7 @@
           </ac:spMkLst>
         </pc:spChg>
         <pc:picChg chg="mod">
-          <ac:chgData name="Mo Liu" userId="e9c7212a1ac174da" providerId="LiveId" clId="{5FDBA922-9E05-42C8-B28E-DC4BEAF29E97}" dt="2024-09-23T09:16:23.460" v="74" actId="1076"/>
+          <ac:chgData name="Mo Liu" userId="e9c7212a1ac174da" providerId="LiveId" clId="{5FDBA922-9E05-42C8-B28E-DC4BEAF29E97}" dt="2024-09-27T00:25:14.098" v="519" actId="1076"/>
           <ac:picMkLst>
             <pc:docMk/>
             <pc:sldMk cId="1694002835" sldId="257"/>
@@ -443,7 +443,7 @@
           <a:p>
             <a:fld id="{E0C2E75B-A520-4543-B491-EBEB2C00BD6A}" type="datetimeFigureOut">
               <a:rPr lang="zh-CN" altLang="en-US" smtClean="0"/>
-              <a:t>2024/9/23</a:t>
+              <a:t>2024/9/27</a:t>
             </a:fld>
             <a:endParaRPr lang="zh-CN" altLang="en-US"/>
           </a:p>
@@ -643,7 +643,7 @@
           <a:p>
             <a:fld id="{E0C2E75B-A520-4543-B491-EBEB2C00BD6A}" type="datetimeFigureOut">
               <a:rPr lang="zh-CN" altLang="en-US" smtClean="0"/>
-              <a:t>2024/9/23</a:t>
+              <a:t>2024/9/27</a:t>
             </a:fld>
             <a:endParaRPr lang="zh-CN" altLang="en-US"/>
           </a:p>
@@ -853,7 +853,7 @@
           <a:p>
             <a:fld id="{E0C2E75B-A520-4543-B491-EBEB2C00BD6A}" type="datetimeFigureOut">
               <a:rPr lang="zh-CN" altLang="en-US" smtClean="0"/>
-              <a:t>2024/9/23</a:t>
+              <a:t>2024/9/27</a:t>
             </a:fld>
             <a:endParaRPr lang="zh-CN" altLang="en-US"/>
           </a:p>
@@ -1053,7 +1053,7 @@
           <a:p>
             <a:fld id="{E0C2E75B-A520-4543-B491-EBEB2C00BD6A}" type="datetimeFigureOut">
               <a:rPr lang="zh-CN" altLang="en-US" smtClean="0"/>
-              <a:t>2024/9/23</a:t>
+              <a:t>2024/9/27</a:t>
             </a:fld>
             <a:endParaRPr lang="zh-CN" altLang="en-US"/>
           </a:p>
@@ -1329,7 +1329,7 @@
           <a:p>
             <a:fld id="{E0C2E75B-A520-4543-B491-EBEB2C00BD6A}" type="datetimeFigureOut">
               <a:rPr lang="zh-CN" altLang="en-US" smtClean="0"/>
-              <a:t>2024/9/23</a:t>
+              <a:t>2024/9/27</a:t>
             </a:fld>
             <a:endParaRPr lang="zh-CN" altLang="en-US"/>
           </a:p>
@@ -1597,7 +1597,7 @@
           <a:p>
             <a:fld id="{E0C2E75B-A520-4543-B491-EBEB2C00BD6A}" type="datetimeFigureOut">
               <a:rPr lang="zh-CN" altLang="en-US" smtClean="0"/>
-              <a:t>2024/9/23</a:t>
+              <a:t>2024/9/27</a:t>
             </a:fld>
             <a:endParaRPr lang="zh-CN" altLang="en-US"/>
           </a:p>
@@ -2012,7 +2012,7 @@
           <a:p>
             <a:fld id="{E0C2E75B-A520-4543-B491-EBEB2C00BD6A}" type="datetimeFigureOut">
               <a:rPr lang="zh-CN" altLang="en-US" smtClean="0"/>
-              <a:t>2024/9/23</a:t>
+              <a:t>2024/9/27</a:t>
             </a:fld>
             <a:endParaRPr lang="zh-CN" altLang="en-US"/>
           </a:p>
@@ -2154,7 +2154,7 @@
           <a:p>
             <a:fld id="{E0C2E75B-A520-4543-B491-EBEB2C00BD6A}" type="datetimeFigureOut">
               <a:rPr lang="zh-CN" altLang="en-US" smtClean="0"/>
-              <a:t>2024/9/23</a:t>
+              <a:t>2024/9/27</a:t>
             </a:fld>
             <a:endParaRPr lang="zh-CN" altLang="en-US"/>
           </a:p>
@@ -2267,7 +2267,7 @@
           <a:p>
             <a:fld id="{E0C2E75B-A520-4543-B491-EBEB2C00BD6A}" type="datetimeFigureOut">
               <a:rPr lang="zh-CN" altLang="en-US" smtClean="0"/>
-              <a:t>2024/9/23</a:t>
+              <a:t>2024/9/27</a:t>
             </a:fld>
             <a:endParaRPr lang="zh-CN" altLang="en-US"/>
           </a:p>
@@ -2580,7 +2580,7 @@
           <a:p>
             <a:fld id="{E0C2E75B-A520-4543-B491-EBEB2C00BD6A}" type="datetimeFigureOut">
               <a:rPr lang="zh-CN" altLang="en-US" smtClean="0"/>
-              <a:t>2024/9/23</a:t>
+              <a:t>2024/9/27</a:t>
             </a:fld>
             <a:endParaRPr lang="zh-CN" altLang="en-US"/>
           </a:p>
@@ -2869,7 +2869,7 @@
           <a:p>
             <a:fld id="{E0C2E75B-A520-4543-B491-EBEB2C00BD6A}" type="datetimeFigureOut">
               <a:rPr lang="zh-CN" altLang="en-US" smtClean="0"/>
-              <a:t>2024/9/23</a:t>
+              <a:t>2024/9/27</a:t>
             </a:fld>
             <a:endParaRPr lang="zh-CN" altLang="en-US"/>
           </a:p>
@@ -3112,7 +3112,7 @@
           <a:p>
             <a:fld id="{E0C2E75B-A520-4543-B491-EBEB2C00BD6A}" type="datetimeFigureOut">
               <a:rPr lang="zh-CN" altLang="en-US" smtClean="0"/>
-              <a:t>2024/9/23</a:t>
+              <a:t>2024/9/27</a:t>
             </a:fld>
             <a:endParaRPr lang="zh-CN" altLang="en-US"/>
           </a:p>
@@ -3720,8 +3720,8 @@
         </p:blipFill>
         <p:spPr>
           <a:xfrm>
-            <a:off x="5769088" y="1176868"/>
-            <a:ext cx="5584712" cy="4994318"/>
+            <a:off x="5394960" y="0"/>
+            <a:ext cx="8016240" cy="7168794"/>
           </a:xfrm>
           <a:prstGeom prst="rect">
             <a:avLst/>
